--- a/FinalGroupProjectPowerpoint.pptx
+++ b/FinalGroupProjectPowerpoint.pptx
@@ -8,8 +8,12 @@
     <p:sldId id="256" r:id="rId2"/>
     <p:sldId id="258" r:id="rId3"/>
     <p:sldId id="257" r:id="rId4"/>
-    <p:sldId id="259" r:id="rId5"/>
-    <p:sldId id="260" r:id="rId6"/>
+    <p:sldId id="261" r:id="rId5"/>
+    <p:sldId id="262" r:id="rId6"/>
+    <p:sldId id="263" r:id="rId7"/>
+    <p:sldId id="264" r:id="rId8"/>
+    <p:sldId id="259" r:id="rId9"/>
+    <p:sldId id="260" r:id="rId10"/>
   </p:sldIdLst>
   <p:sldSz cx="12192000" cy="6858000"/>
   <p:notesSz cx="6858000" cy="9144000"/>
@@ -108,6 +112,11 @@
       </a:defRPr>
     </a:lvl9pPr>
   </p:defaultTextStyle>
+  <p:extLst>
+    <p:ext uri="{EFAFB233-063F-42B5-8137-9DF3F51BA10A}">
+      <p15:sldGuideLst xmlns:p15="http://schemas.microsoft.com/office/powerpoint/2012/main"/>
+    </p:ext>
+  </p:extLst>
 </p:presentation>
 </file>
 
@@ -1211,9 +1220,9 @@
     <dgm:cxn modelId="{8EA54327-6F76-499E-8E79-2737CAFEDF15}" srcId="{E5A7D031-BF7D-477A-8187-EDBD69F58292}" destId="{456B5218-6CA7-43DD-95D2-4E6D9A21E759}" srcOrd="0" destOrd="0" parTransId="{727C03BE-A025-4A59-B325-C0CF5051AFDC}" sibTransId="{0497DB4F-E370-4C49-8393-A69C2DFAD50C}"/>
     <dgm:cxn modelId="{4E60342F-E9C1-2D4C-85B2-68B7263AF239}" type="presOf" srcId="{827E15A2-ED0B-4BAF-B233-0EA143E31BC1}" destId="{B0D80622-D5DD-A946-B6C3-33C0B3ED6B2F}" srcOrd="0" destOrd="0" presId="urn:microsoft.com/office/officeart/2016/7/layout/VerticalSolidActionList"/>
     <dgm:cxn modelId="{E2ECDE32-C8C0-4833-B5F0-68318B66DE4F}" srcId="{F20A4D9A-F9FE-4F23-B202-3427EE1B9F77}" destId="{E5A7D031-BF7D-477A-8187-EDBD69F58292}" srcOrd="2" destOrd="0" parTransId="{D90073FB-4DD3-470A-9413-E01FB59B8291}" sibTransId="{EF4FC7D0-A188-4161-9768-3982B19FE5C4}"/>
-    <dgm:cxn modelId="{BF732048-2CDB-475E-92C4-5DCECB09C74B}" srcId="{7D4CCC66-57E1-421B-BF6C-FB7BC691F9DD}" destId="{EC6BD756-06E7-4587-97EE-B72A432BE1B0}" srcOrd="0" destOrd="0" parTransId="{879A92F9-AA85-4AAC-B7A7-1E04973EA401}" sibTransId="{FC2CC859-A191-4852-8F6F-50E8FAB0B3D4}"/>
     <dgm:cxn modelId="{80571E5F-8549-9C47-A7CB-1588CFAD1A30}" type="presOf" srcId="{7D4CCC66-57E1-421B-BF6C-FB7BC691F9DD}" destId="{FD5F6E2E-377B-9A4A-BA93-A33C0471AF9F}" srcOrd="0" destOrd="0" presId="urn:microsoft.com/office/officeart/2016/7/layout/VerticalSolidActionList"/>
     <dgm:cxn modelId="{FFBD3B64-CE74-C542-8B00-1949992D4CD9}" type="presOf" srcId="{449B4045-AA4D-4E17-A794-1CCDFEEAD367}" destId="{FC342909-4E59-694F-98FA-A52C89F4F3AD}" srcOrd="0" destOrd="0" presId="urn:microsoft.com/office/officeart/2016/7/layout/VerticalSolidActionList"/>
+    <dgm:cxn modelId="{BF732048-2CDB-475E-92C4-5DCECB09C74B}" srcId="{7D4CCC66-57E1-421B-BF6C-FB7BC691F9DD}" destId="{EC6BD756-06E7-4587-97EE-B72A432BE1B0}" srcOrd="0" destOrd="0" parTransId="{879A92F9-AA85-4AAC-B7A7-1E04973EA401}" sibTransId="{FC2CC859-A191-4852-8F6F-50E8FAB0B3D4}"/>
     <dgm:cxn modelId="{12B3536A-BAB7-489A-84FE-C4C630B6544C}" srcId="{827E15A2-ED0B-4BAF-B233-0EA143E31BC1}" destId="{449B4045-AA4D-4E17-A794-1CCDFEEAD367}" srcOrd="0" destOrd="0" parTransId="{9FC4CCE8-216A-4A12-A3DA-2FB45014275D}" sibTransId="{13156DBD-A825-421F-8FF6-3B5F07F9A9D7}"/>
     <dgm:cxn modelId="{9F37D195-5C91-40EC-84E2-2AA4020E9722}" srcId="{F20A4D9A-F9FE-4F23-B202-3427EE1B9F77}" destId="{7D4CCC66-57E1-421B-BF6C-FB7BC691F9DD}" srcOrd="0" destOrd="0" parTransId="{5B84E7A3-EECE-4C5D-B57C-4D2EAE1FB707}" sibTransId="{84174F33-C237-40DB-A74E-9BDBA3C0C6E3}"/>
     <dgm:cxn modelId="{996BFBAC-9818-5D42-8EFA-DFBBAB92D67C}" type="presOf" srcId="{456B5218-6CA7-43DD-95D2-4E6D9A21E759}" destId="{AAD216AF-70B9-F14A-9958-16BAA216E2C6}" srcOrd="0" destOrd="0" presId="urn:microsoft.com/office/officeart/2016/7/layout/VerticalSolidActionList"/>
@@ -3303,7 +3312,7 @@
           <a:p>
             <a:fld id="{EA72E345-5D2A-A74F-916B-075DE1AD9D2E}" type="datetimeFigureOut">
               <a:rPr lang="en-US" smtClean="0"/>
-              <a:t>5/4/22</a:t>
+              <a:t>5/4/2022</a:t>
             </a:fld>
             <a:endParaRPr lang="en-US"/>
           </a:p>
@@ -3565,7 +3574,7 @@
           <a:p>
             <a:fld id="{EA72E345-5D2A-A74F-916B-075DE1AD9D2E}" type="datetimeFigureOut">
               <a:rPr lang="en-US" smtClean="0"/>
-              <a:t>5/4/22</a:t>
+              <a:t>5/4/2022</a:t>
             </a:fld>
             <a:endParaRPr lang="en-US"/>
           </a:p>
@@ -3800,7 +3809,7 @@
           <a:p>
             <a:fld id="{EA72E345-5D2A-A74F-916B-075DE1AD9D2E}" type="datetimeFigureOut">
               <a:rPr lang="en-US" smtClean="0"/>
-              <a:t>5/4/22</a:t>
+              <a:t>5/4/2022</a:t>
             </a:fld>
             <a:endParaRPr lang="en-US"/>
           </a:p>
@@ -4040,7 +4049,7 @@
           <a:p>
             <a:fld id="{EA72E345-5D2A-A74F-916B-075DE1AD9D2E}" type="datetimeFigureOut">
               <a:rPr lang="en-US" smtClean="0"/>
-              <a:t>5/4/22</a:t>
+              <a:t>5/4/2022</a:t>
             </a:fld>
             <a:endParaRPr lang="en-US"/>
           </a:p>
@@ -4347,7 +4356,7 @@
           <a:p>
             <a:fld id="{EA72E345-5D2A-A74F-916B-075DE1AD9D2E}" type="datetimeFigureOut">
               <a:rPr lang="en-US" smtClean="0"/>
-              <a:t>5/4/22</a:t>
+              <a:t>5/4/2022</a:t>
             </a:fld>
             <a:endParaRPr lang="en-US"/>
           </a:p>
@@ -4649,7 +4658,7 @@
           <a:p>
             <a:fld id="{EA72E345-5D2A-A74F-916B-075DE1AD9D2E}" type="datetimeFigureOut">
               <a:rPr lang="en-US" smtClean="0"/>
-              <a:t>5/4/22</a:t>
+              <a:t>5/4/2022</a:t>
             </a:fld>
             <a:endParaRPr lang="en-US"/>
           </a:p>
@@ -5071,7 +5080,7 @@
           <a:p>
             <a:fld id="{EA72E345-5D2A-A74F-916B-075DE1AD9D2E}" type="datetimeFigureOut">
               <a:rPr lang="en-US" smtClean="0"/>
-              <a:t>5/4/22</a:t>
+              <a:t>5/4/2022</a:t>
             </a:fld>
             <a:endParaRPr lang="en-US"/>
           </a:p>
@@ -5233,7 +5242,7 @@
           <a:p>
             <a:fld id="{EA72E345-5D2A-A74F-916B-075DE1AD9D2E}" type="datetimeFigureOut">
               <a:rPr lang="en-US" smtClean="0"/>
-              <a:t>5/4/22</a:t>
+              <a:t>5/4/2022</a:t>
             </a:fld>
             <a:endParaRPr lang="en-US"/>
           </a:p>
@@ -5328,7 +5337,7 @@
           <a:p>
             <a:fld id="{EA72E345-5D2A-A74F-916B-075DE1AD9D2E}" type="datetimeFigureOut">
               <a:rPr lang="en-US" smtClean="0"/>
-              <a:t>5/4/22</a:t>
+              <a:t>5/4/2022</a:t>
             </a:fld>
             <a:endParaRPr lang="en-US"/>
           </a:p>
@@ -5706,7 +5715,7 @@
           <a:p>
             <a:fld id="{EA72E345-5D2A-A74F-916B-075DE1AD9D2E}" type="datetimeFigureOut">
               <a:rPr lang="en-US" smtClean="0"/>
-              <a:t>5/4/22</a:t>
+              <a:t>5/4/2022</a:t>
             </a:fld>
             <a:endParaRPr lang="en-US"/>
           </a:p>
@@ -5995,7 +6004,7 @@
           <a:p>
             <a:fld id="{EA72E345-5D2A-A74F-916B-075DE1AD9D2E}" type="datetimeFigureOut">
               <a:rPr lang="en-US" smtClean="0"/>
-              <a:t>5/4/22</a:t>
+              <a:t>5/4/2022</a:t>
             </a:fld>
             <a:endParaRPr lang="en-US"/>
           </a:p>
@@ -6206,7 +6215,7 @@
           <a:p>
             <a:fld id="{EA72E345-5D2A-A74F-916B-075DE1AD9D2E}" type="datetimeFigureOut">
               <a:rPr lang="en-US" smtClean="0"/>
-              <a:t>5/4/22</a:t>
+              <a:t>5/4/2022</a:t>
             </a:fld>
             <a:endParaRPr lang="en-US"/>
           </a:p>
@@ -7426,6 +7435,628 @@
           <p:cNvPr id="2" name="Title 1">
             <a:extLst>
               <a:ext uri="{FF2B5EF4-FFF2-40B4-BE49-F238E27FC236}">
+                <a16:creationId xmlns:a16="http://schemas.microsoft.com/office/drawing/2014/main" id="{495DFC37-E8CE-AF47-8999-8FBDF5A8CCBA}"/>
+              </a:ext>
+            </a:extLst>
+          </p:cNvPr>
+          <p:cNvSpPr>
+            <a:spLocks noGrp="1"/>
+          </p:cNvSpPr>
+          <p:nvPr>
+            <p:ph type="title"/>
+          </p:nvPr>
+        </p:nvSpPr>
+        <p:spPr/>
+        <p:txBody>
+          <a:bodyPr/>
+          <a:lstStyle/>
+          <a:p>
+            <a:r>
+              <a:rPr lang="en-US" dirty="0"/>
+              <a:t>Linear Forecast model</a:t>
+            </a:r>
+          </a:p>
+        </p:txBody>
+      </p:sp>
+      <p:pic>
+        <p:nvPicPr>
+          <p:cNvPr id="8" name="Content Placeholder 7">
+            <a:extLst>
+              <a:ext uri="{FF2B5EF4-FFF2-40B4-BE49-F238E27FC236}">
+                <a16:creationId xmlns:a16="http://schemas.microsoft.com/office/drawing/2014/main" id="{78CF1E43-98C5-2109-C76D-69D4FB791D89}"/>
+              </a:ext>
+            </a:extLst>
+          </p:cNvPr>
+          <p:cNvPicPr>
+            <a:picLocks noGrp="1" noChangeAspect="1"/>
+          </p:cNvPicPr>
+          <p:nvPr>
+            <p:ph idx="1"/>
+          </p:nvPr>
+        </p:nvPicPr>
+        <p:blipFill>
+          <a:blip r:embed="rId2"/>
+          <a:stretch>
+            <a:fillRect/>
+          </a:stretch>
+        </p:blipFill>
+        <p:spPr>
+          <a:xfrm>
+            <a:off x="2379306" y="2059927"/>
+            <a:ext cx="8376697" cy="4294902"/>
+          </a:xfrm>
+          <a:prstGeom prst="rect">
+            <a:avLst/>
+          </a:prstGeom>
+        </p:spPr>
+      </p:pic>
+    </p:spTree>
+    <p:extLst>
+      <p:ext uri="{BB962C8B-B14F-4D97-AF65-F5344CB8AC3E}">
+        <p14:creationId xmlns:p14="http://schemas.microsoft.com/office/powerpoint/2010/main" val="4015641612"/>
+      </p:ext>
+    </p:extLst>
+  </p:cSld>
+  <p:clrMapOvr>
+    <a:masterClrMapping/>
+  </p:clrMapOvr>
+</p:sld>
+</file>
+
+<file path=ppt/slides/slide5.xml><?xml version="1.0" encoding="utf-8"?>
+<p:sld xmlns:a="http://schemas.openxmlformats.org/drawingml/2006/main" xmlns:r="http://schemas.openxmlformats.org/officeDocument/2006/relationships" xmlns:p="http://schemas.openxmlformats.org/presentationml/2006/main">
+  <p:cSld>
+    <p:spTree>
+      <p:nvGrpSpPr>
+        <p:cNvPr id="1" name=""/>
+        <p:cNvGrpSpPr/>
+        <p:nvPr/>
+      </p:nvGrpSpPr>
+      <p:grpSpPr>
+        <a:xfrm>
+          <a:off x="0" y="0"/>
+          <a:ext cx="0" cy="0"/>
+          <a:chOff x="0" y="0"/>
+          <a:chExt cx="0" cy="0"/>
+        </a:xfrm>
+      </p:grpSpPr>
+      <p:sp>
+        <p:nvSpPr>
+          <p:cNvPr id="2" name="Title 1">
+            <a:extLst>
+              <a:ext uri="{FF2B5EF4-FFF2-40B4-BE49-F238E27FC236}">
+                <a16:creationId xmlns:a16="http://schemas.microsoft.com/office/drawing/2014/main" id="{9D56C8C0-E279-F60C-680B-7BD03BEF820D}"/>
+              </a:ext>
+            </a:extLst>
+          </p:cNvPr>
+          <p:cNvSpPr>
+            <a:spLocks noGrp="1"/>
+          </p:cNvSpPr>
+          <p:nvPr>
+            <p:ph type="title"/>
+          </p:nvPr>
+        </p:nvSpPr>
+        <p:spPr/>
+        <p:txBody>
+          <a:bodyPr/>
+          <a:lstStyle/>
+          <a:p>
+            <a:r>
+              <a:rPr lang="en-US" dirty="0"/>
+              <a:t>Linear Fit Model Report</a:t>
+            </a:r>
+          </a:p>
+        </p:txBody>
+      </p:sp>
+      <p:pic>
+        <p:nvPicPr>
+          <p:cNvPr id="5" name="Content Placeholder 4">
+            <a:extLst>
+              <a:ext uri="{FF2B5EF4-FFF2-40B4-BE49-F238E27FC236}">
+                <a16:creationId xmlns:a16="http://schemas.microsoft.com/office/drawing/2014/main" id="{6E483AAA-33FF-CBB4-E54C-9A3974062EEB}"/>
+              </a:ext>
+            </a:extLst>
+          </p:cNvPr>
+          <p:cNvPicPr>
+            <a:picLocks noGrp="1" noChangeAspect="1"/>
+          </p:cNvPicPr>
+          <p:nvPr>
+            <p:ph idx="1"/>
+          </p:nvPr>
+        </p:nvPicPr>
+        <p:blipFill>
+          <a:blip r:embed="rId2"/>
+          <a:stretch>
+            <a:fillRect/>
+          </a:stretch>
+        </p:blipFill>
+        <p:spPr>
+          <a:xfrm>
+            <a:off x="2878364" y="2181225"/>
+            <a:ext cx="6435271" cy="3678238"/>
+          </a:xfrm>
+        </p:spPr>
+      </p:pic>
+    </p:spTree>
+    <p:extLst>
+      <p:ext uri="{BB962C8B-B14F-4D97-AF65-F5344CB8AC3E}">
+        <p14:creationId xmlns:p14="http://schemas.microsoft.com/office/powerpoint/2010/main" val="4215709396"/>
+      </p:ext>
+    </p:extLst>
+  </p:cSld>
+  <p:clrMapOvr>
+    <a:masterClrMapping/>
+  </p:clrMapOvr>
+</p:sld>
+</file>
+
+<file path=ppt/slides/slide6.xml><?xml version="1.0" encoding="utf-8"?>
+<p:sld xmlns:a="http://schemas.openxmlformats.org/drawingml/2006/main" xmlns:r="http://schemas.openxmlformats.org/officeDocument/2006/relationships" xmlns:p="http://schemas.openxmlformats.org/presentationml/2006/main">
+  <p:cSld>
+    <p:spTree>
+      <p:nvGrpSpPr>
+        <p:cNvPr id="1" name=""/>
+        <p:cNvGrpSpPr/>
+        <p:nvPr/>
+      </p:nvGrpSpPr>
+      <p:grpSpPr>
+        <a:xfrm>
+          <a:off x="0" y="0"/>
+          <a:ext cx="0" cy="0"/>
+          <a:chOff x="0" y="0"/>
+          <a:chExt cx="0" cy="0"/>
+        </a:xfrm>
+      </p:grpSpPr>
+      <p:sp>
+        <p:nvSpPr>
+          <p:cNvPr id="2" name="Title 1">
+            <a:extLst>
+              <a:ext uri="{FF2B5EF4-FFF2-40B4-BE49-F238E27FC236}">
+                <a16:creationId xmlns:a16="http://schemas.microsoft.com/office/drawing/2014/main" id="{07AB80B1-203F-9A17-041C-55FBF53CF01C}"/>
+              </a:ext>
+            </a:extLst>
+          </p:cNvPr>
+          <p:cNvSpPr>
+            <a:spLocks noGrp="1"/>
+          </p:cNvSpPr>
+          <p:nvPr>
+            <p:ph type="title"/>
+          </p:nvPr>
+        </p:nvSpPr>
+        <p:spPr/>
+        <p:txBody>
+          <a:bodyPr/>
+          <a:lstStyle/>
+          <a:p>
+            <a:r>
+              <a:rPr lang="en-US" dirty="0"/>
+              <a:t>Neural Network Model</a:t>
+            </a:r>
+          </a:p>
+        </p:txBody>
+      </p:sp>
+      <p:pic>
+        <p:nvPicPr>
+          <p:cNvPr id="5" name="Content Placeholder 4" descr="Chart, histogram&#10;&#10;Description automatically generated">
+            <a:extLst>
+              <a:ext uri="{FF2B5EF4-FFF2-40B4-BE49-F238E27FC236}">
+                <a16:creationId xmlns:a16="http://schemas.microsoft.com/office/drawing/2014/main" id="{3B280611-2D4F-5B68-7047-7E4EC3739BA0}"/>
+              </a:ext>
+            </a:extLst>
+          </p:cNvPr>
+          <p:cNvPicPr>
+            <a:picLocks noGrp="1" noChangeAspect="1"/>
+          </p:cNvPicPr>
+          <p:nvPr>
+            <p:ph idx="1"/>
+          </p:nvPr>
+        </p:nvPicPr>
+        <p:blipFill>
+          <a:blip r:embed="rId2"/>
+          <a:stretch>
+            <a:fillRect/>
+          </a:stretch>
+        </p:blipFill>
+        <p:spPr>
+          <a:xfrm>
+            <a:off x="2358351" y="2316291"/>
+            <a:ext cx="7475297" cy="3832735"/>
+          </a:xfrm>
+        </p:spPr>
+      </p:pic>
+    </p:spTree>
+    <p:extLst>
+      <p:ext uri="{BB962C8B-B14F-4D97-AF65-F5344CB8AC3E}">
+        <p14:creationId xmlns:p14="http://schemas.microsoft.com/office/powerpoint/2010/main" val="3591045746"/>
+      </p:ext>
+    </p:extLst>
+  </p:cSld>
+  <p:clrMapOvr>
+    <a:masterClrMapping/>
+  </p:clrMapOvr>
+</p:sld>
+</file>
+
+<file path=ppt/slides/slide7.xml><?xml version="1.0" encoding="utf-8"?>
+<p:sld xmlns:a="http://schemas.openxmlformats.org/drawingml/2006/main" xmlns:r="http://schemas.openxmlformats.org/officeDocument/2006/relationships" xmlns:p="http://schemas.openxmlformats.org/presentationml/2006/main">
+  <p:cSld>
+    <p:bg>
+      <p:bgPr>
+        <a:solidFill>
+          <a:schemeClr val="bg1"/>
+        </a:solidFill>
+        <a:effectLst/>
+      </p:bgPr>
+    </p:bg>
+    <p:spTree>
+      <p:nvGrpSpPr>
+        <p:cNvPr id="1" name=""/>
+        <p:cNvGrpSpPr/>
+        <p:nvPr/>
+      </p:nvGrpSpPr>
+      <p:grpSpPr>
+        <a:xfrm>
+          <a:off x="0" y="0"/>
+          <a:ext cx="0" cy="0"/>
+          <a:chOff x="0" y="0"/>
+          <a:chExt cx="0" cy="0"/>
+        </a:xfrm>
+      </p:grpSpPr>
+      <p:sp>
+        <p:nvSpPr>
+          <p:cNvPr id="9" name="Rectangle 8">
+            <a:extLst>
+              <a:ext uri="{FF2B5EF4-FFF2-40B4-BE49-F238E27FC236}">
+                <a16:creationId xmlns:a16="http://schemas.microsoft.com/office/drawing/2014/main" id="{0DBD4729-DBDF-40A6-9BA4-E4C97EF6DD37}"/>
+              </a:ext>
+              <a:ext uri="{C183D7F6-B498-43B3-948B-1728B52AA6E4}">
+                <adec:decorative xmlns:adec="http://schemas.microsoft.com/office/drawing/2017/decorative" val="1"/>
+              </a:ext>
+            </a:extLst>
+          </p:cNvPr>
+          <p:cNvSpPr>
+            <a:spLocks noGrp="1" noRot="1" noChangeAspect="1" noMove="1" noResize="1" noEditPoints="1" noAdjustHandles="1" noChangeArrowheads="1" noChangeShapeType="1" noTextEdit="1"/>
+          </p:cNvSpPr>
+          <p:nvPr>
+            <p:extLst>
+              <p:ext uri="{386F3935-93C4-4BCD-93E2-E3B085C9AB24}">
+                <p16:designElem xmlns:p16="http://schemas.microsoft.com/office/powerpoint/2015/main" val="1"/>
+              </p:ext>
+            </p:extLst>
+          </p:nvPr>
+        </p:nvSpPr>
+        <p:spPr>
+          <a:xfrm>
+            <a:off x="446534" y="457200"/>
+            <a:ext cx="3703320" cy="94997"/>
+          </a:xfrm>
+          <a:prstGeom prst="rect">
+            <a:avLst/>
+          </a:prstGeom>
+          <a:solidFill>
+            <a:schemeClr val="accent1"/>
+          </a:solidFill>
+          <a:ln>
+            <a:noFill/>
+          </a:ln>
+          <a:effectLst/>
+        </p:spPr>
+        <p:style>
+          <a:lnRef idx="1">
+            <a:schemeClr val="accent1"/>
+          </a:lnRef>
+          <a:fillRef idx="3">
+            <a:schemeClr val="accent1"/>
+          </a:fillRef>
+          <a:effectRef idx="2">
+            <a:schemeClr val="accent1"/>
+          </a:effectRef>
+          <a:fontRef idx="minor">
+            <a:schemeClr val="lt1"/>
+          </a:fontRef>
+        </p:style>
+      </p:sp>
+      <p:sp>
+        <p:nvSpPr>
+          <p:cNvPr id="11" name="Rectangle 10">
+            <a:extLst>
+              <a:ext uri="{FF2B5EF4-FFF2-40B4-BE49-F238E27FC236}">
+                <a16:creationId xmlns:a16="http://schemas.microsoft.com/office/drawing/2014/main" id="{55125130-F4AB-465E-8AE2-E583FCAAB224}"/>
+              </a:ext>
+              <a:ext uri="{C183D7F6-B498-43B3-948B-1728B52AA6E4}">
+                <adec:decorative xmlns:adec="http://schemas.microsoft.com/office/drawing/2017/decorative" val="1"/>
+              </a:ext>
+            </a:extLst>
+          </p:cNvPr>
+          <p:cNvSpPr>
+            <a:spLocks noGrp="1" noRot="1" noChangeAspect="1" noMove="1" noResize="1" noEditPoints="1" noAdjustHandles="1" noChangeArrowheads="1" noChangeShapeType="1" noTextEdit="1"/>
+          </p:cNvSpPr>
+          <p:nvPr>
+            <p:extLst>
+              <p:ext uri="{386F3935-93C4-4BCD-93E2-E3B085C9AB24}">
+                <p16:designElem xmlns:p16="http://schemas.microsoft.com/office/powerpoint/2015/main" val="1"/>
+              </p:ext>
+            </p:extLst>
+          </p:nvPr>
+        </p:nvSpPr>
+        <p:spPr>
+          <a:xfrm>
+            <a:off x="8042147" y="453643"/>
+            <a:ext cx="3703320" cy="98554"/>
+          </a:xfrm>
+          <a:prstGeom prst="rect">
+            <a:avLst/>
+          </a:prstGeom>
+          <a:solidFill>
+            <a:schemeClr val="accent4"/>
+          </a:solidFill>
+          <a:ln>
+            <a:noFill/>
+          </a:ln>
+          <a:effectLst/>
+        </p:spPr>
+        <p:style>
+          <a:lnRef idx="1">
+            <a:schemeClr val="accent1"/>
+          </a:lnRef>
+          <a:fillRef idx="3">
+            <a:schemeClr val="accent1"/>
+          </a:fillRef>
+          <a:effectRef idx="2">
+            <a:schemeClr val="accent1"/>
+          </a:effectRef>
+          <a:fontRef idx="minor">
+            <a:schemeClr val="lt1"/>
+          </a:fontRef>
+        </p:style>
+      </p:sp>
+      <p:sp>
+        <p:nvSpPr>
+          <p:cNvPr id="13" name="Rectangle 12">
+            <a:extLst>
+              <a:ext uri="{FF2B5EF4-FFF2-40B4-BE49-F238E27FC236}">
+                <a16:creationId xmlns:a16="http://schemas.microsoft.com/office/drawing/2014/main" id="{E0BA65A2-0302-4468-ADA7-9EC3F9593F51}"/>
+              </a:ext>
+              <a:ext uri="{C183D7F6-B498-43B3-948B-1728B52AA6E4}">
+                <adec:decorative xmlns:adec="http://schemas.microsoft.com/office/drawing/2017/decorative" val="1"/>
+              </a:ext>
+            </a:extLst>
+          </p:cNvPr>
+          <p:cNvSpPr>
+            <a:spLocks noGrp="1" noRot="1" noChangeAspect="1" noMove="1" noResize="1" noEditPoints="1" noAdjustHandles="1" noChangeArrowheads="1" noChangeShapeType="1" noTextEdit="1"/>
+          </p:cNvSpPr>
+          <p:nvPr>
+            <p:extLst>
+              <p:ext uri="{386F3935-93C4-4BCD-93E2-E3B085C9AB24}">
+                <p16:designElem xmlns:p16="http://schemas.microsoft.com/office/powerpoint/2015/main" val="1"/>
+              </p:ext>
+            </p:extLst>
+          </p:nvPr>
+        </p:nvSpPr>
+        <p:spPr>
+          <a:xfrm>
+            <a:off x="4241830" y="457200"/>
+            <a:ext cx="3703320" cy="91440"/>
+          </a:xfrm>
+          <a:prstGeom prst="rect">
+            <a:avLst/>
+          </a:prstGeom>
+          <a:solidFill>
+            <a:schemeClr val="accent2"/>
+          </a:solidFill>
+          <a:ln>
+            <a:noFill/>
+          </a:ln>
+          <a:effectLst/>
+        </p:spPr>
+        <p:style>
+          <a:lnRef idx="1">
+            <a:schemeClr val="accent1"/>
+          </a:lnRef>
+          <a:fillRef idx="3">
+            <a:schemeClr val="accent1"/>
+          </a:fillRef>
+          <a:effectRef idx="2">
+            <a:schemeClr val="accent1"/>
+          </a:effectRef>
+          <a:fontRef idx="minor">
+            <a:schemeClr val="lt1"/>
+          </a:fontRef>
+        </p:style>
+      </p:sp>
+      <p:sp>
+        <p:nvSpPr>
+          <p:cNvPr id="15" name="Rectangle 14">
+            <a:extLst>
+              <a:ext uri="{FF2B5EF4-FFF2-40B4-BE49-F238E27FC236}">
+                <a16:creationId xmlns:a16="http://schemas.microsoft.com/office/drawing/2014/main" id="{1259A422-0023-4292-8200-E080556F30F9}"/>
+              </a:ext>
+              <a:ext uri="{C183D7F6-B498-43B3-948B-1728B52AA6E4}">
+                <adec:decorative xmlns:adec="http://schemas.microsoft.com/office/drawing/2017/decorative" val="1"/>
+              </a:ext>
+            </a:extLst>
+          </p:cNvPr>
+          <p:cNvSpPr>
+            <a:spLocks noGrp="1" noRot="1" noChangeAspect="1" noMove="1" noResize="1" noEditPoints="1" noAdjustHandles="1" noChangeArrowheads="1" noChangeShapeType="1" noTextEdit="1"/>
+          </p:cNvSpPr>
+          <p:nvPr>
+            <p:extLst>
+              <p:ext uri="{386F3935-93C4-4BCD-93E2-E3B085C9AB24}">
+                <p16:designElem xmlns:p16="http://schemas.microsoft.com/office/powerpoint/2015/main" val="1"/>
+              </p:ext>
+            </p:extLst>
+          </p:nvPr>
+        </p:nvSpPr>
+        <p:spPr>
+          <a:xfrm>
+            <a:off x="0" y="0"/>
+            <a:ext cx="12192000" cy="6858000"/>
+          </a:xfrm>
+          <a:prstGeom prst="rect">
+            <a:avLst/>
+          </a:prstGeom>
+          <a:solidFill>
+            <a:srgbClr val="3E4059"/>
+          </a:solidFill>
+          <a:ln>
+            <a:noFill/>
+          </a:ln>
+        </p:spPr>
+        <p:style>
+          <a:lnRef idx="2">
+            <a:schemeClr val="accent1">
+              <a:shade val="50000"/>
+            </a:schemeClr>
+          </a:lnRef>
+          <a:fillRef idx="1">
+            <a:schemeClr val="accent1"/>
+          </a:fillRef>
+          <a:effectRef idx="0">
+            <a:schemeClr val="accent1"/>
+          </a:effectRef>
+          <a:fontRef idx="minor">
+            <a:schemeClr val="lt1"/>
+          </a:fontRef>
+        </p:style>
+        <p:txBody>
+          <a:bodyPr rtlCol="0" anchor="ctr"/>
+          <a:lstStyle/>
+          <a:p>
+            <a:pPr algn="ctr"/>
+            <a:endParaRPr lang="en-US"/>
+          </a:p>
+        </p:txBody>
+      </p:sp>
+      <p:sp>
+        <p:nvSpPr>
+          <p:cNvPr id="17" name="Rectangle 16">
+            <a:extLst>
+              <a:ext uri="{FF2B5EF4-FFF2-40B4-BE49-F238E27FC236}">
+                <a16:creationId xmlns:a16="http://schemas.microsoft.com/office/drawing/2014/main" id="{A2413CA5-4739-4BC9-8BB3-B0A4928D314F}"/>
+              </a:ext>
+              <a:ext uri="{C183D7F6-B498-43B3-948B-1728B52AA6E4}">
+                <adec:decorative xmlns:adec="http://schemas.microsoft.com/office/drawing/2017/decorative" val="1"/>
+              </a:ext>
+            </a:extLst>
+          </p:cNvPr>
+          <p:cNvSpPr>
+            <a:spLocks noGrp="1" noRot="1" noChangeAspect="1" noMove="1" noResize="1" noEditPoints="1" noAdjustHandles="1" noChangeArrowheads="1" noChangeShapeType="1" noTextEdit="1"/>
+          </p:cNvSpPr>
+          <p:nvPr>
+            <p:extLst>
+              <p:ext uri="{386F3935-93C4-4BCD-93E2-E3B085C9AB24}">
+                <p16:designElem xmlns:p16="http://schemas.microsoft.com/office/powerpoint/2015/main" val="1"/>
+              </p:ext>
+            </p:extLst>
+          </p:nvPr>
+        </p:nvSpPr>
+        <p:spPr>
+          <a:xfrm>
+            <a:off x="477012" y="480060"/>
+            <a:ext cx="11237976" cy="5897880"/>
+          </a:xfrm>
+          <a:prstGeom prst="rect">
+            <a:avLst/>
+          </a:prstGeom>
+          <a:solidFill>
+            <a:srgbClr val="FFFFFF"/>
+          </a:solidFill>
+          <a:ln>
+            <a:noFill/>
+          </a:ln>
+        </p:spPr>
+        <p:style>
+          <a:lnRef idx="2">
+            <a:schemeClr val="accent1">
+              <a:shade val="50000"/>
+            </a:schemeClr>
+          </a:lnRef>
+          <a:fillRef idx="1">
+            <a:schemeClr val="accent1"/>
+          </a:fillRef>
+          <a:effectRef idx="0">
+            <a:schemeClr val="accent1"/>
+          </a:effectRef>
+          <a:fontRef idx="minor">
+            <a:schemeClr val="lt1"/>
+          </a:fontRef>
+        </p:style>
+        <p:txBody>
+          <a:bodyPr rtlCol="0" anchor="ctr"/>
+          <a:lstStyle/>
+          <a:p>
+            <a:pPr algn="ctr"/>
+            <a:endParaRPr lang="en-US"/>
+          </a:p>
+        </p:txBody>
+      </p:sp>
+      <p:pic>
+        <p:nvPicPr>
+          <p:cNvPr id="4" name="Content Placeholder 3">
+            <a:extLst>
+              <a:ext uri="{FF2B5EF4-FFF2-40B4-BE49-F238E27FC236}">
+                <a16:creationId xmlns:a16="http://schemas.microsoft.com/office/drawing/2014/main" id="{5B3316CB-82A8-9710-8326-DBDFB3F0AE66}"/>
+              </a:ext>
+            </a:extLst>
+          </p:cNvPr>
+          <p:cNvPicPr>
+            <a:picLocks noGrp="1" noChangeAspect="1"/>
+          </p:cNvPicPr>
+          <p:nvPr>
+            <p:ph idx="1"/>
+          </p:nvPr>
+        </p:nvPicPr>
+        <p:blipFill>
+          <a:blip r:embed="rId2"/>
+          <a:stretch>
+            <a:fillRect/>
+          </a:stretch>
+        </p:blipFill>
+        <p:spPr>
+          <a:xfrm>
+            <a:off x="660813" y="643467"/>
+            <a:ext cx="10870374" cy="5571066"/>
+          </a:xfrm>
+          <a:prstGeom prst="rect">
+            <a:avLst/>
+          </a:prstGeom>
+        </p:spPr>
+      </p:pic>
+    </p:spTree>
+    <p:extLst>
+      <p:ext uri="{BB962C8B-B14F-4D97-AF65-F5344CB8AC3E}">
+        <p14:creationId xmlns:p14="http://schemas.microsoft.com/office/powerpoint/2010/main" val="2450162260"/>
+      </p:ext>
+    </p:extLst>
+  </p:cSld>
+  <p:clrMapOvr>
+    <a:masterClrMapping/>
+  </p:clrMapOvr>
+</p:sld>
+</file>
+
+<file path=ppt/slides/slide8.xml><?xml version="1.0" encoding="utf-8"?>
+<p:sld xmlns:a="http://schemas.openxmlformats.org/drawingml/2006/main" xmlns:r="http://schemas.openxmlformats.org/officeDocument/2006/relationships" xmlns:p="http://schemas.openxmlformats.org/presentationml/2006/main">
+  <p:cSld>
+    <p:spTree>
+      <p:nvGrpSpPr>
+        <p:cNvPr id="1" name=""/>
+        <p:cNvGrpSpPr/>
+        <p:nvPr/>
+      </p:nvGrpSpPr>
+      <p:grpSpPr>
+        <a:xfrm>
+          <a:off x="0" y="0"/>
+          <a:ext cx="0" cy="0"/>
+          <a:chOff x="0" y="0"/>
+          <a:chExt cx="0" cy="0"/>
+        </a:xfrm>
+      </p:grpSpPr>
+      <p:sp>
+        <p:nvSpPr>
+          <p:cNvPr id="2" name="Title 1">
+            <a:extLst>
+              <a:ext uri="{FF2B5EF4-FFF2-40B4-BE49-F238E27FC236}">
                 <a16:creationId xmlns:a16="http://schemas.microsoft.com/office/drawing/2014/main" id="{859007AE-F4B5-0EF6-FC6D-8A0539DF381E}"/>
               </a:ext>
             </a:extLst>
@@ -7511,7 +8142,7 @@
 </p:sld>
 </file>
 
-<file path=ppt/slides/slide5.xml><?xml version="1.0" encoding="utf-8"?>
+<file path=ppt/slides/slide9.xml><?xml version="1.0" encoding="utf-8"?>
 <p:sld xmlns:a="http://schemas.openxmlformats.org/drawingml/2006/main" xmlns:r="http://schemas.openxmlformats.org/officeDocument/2006/relationships" xmlns:p="http://schemas.openxmlformats.org/presentationml/2006/main">
   <p:cSld>
     <p:spTree>
